--- a/courses/theory/slides/lec03-parsing-cfg.pptx
+++ b/courses/theory/slides/lec03-parsing-cfg.pptx
@@ -435,6 +435,11 @@
         </p:txBody>
       </p:sp>
     </p:spTree>
+    <p:extLst>
+      <p:ext uri="{BB962C8B-B14F-4D97-AF65-F5344CB8AC3E}">
+        <p14:creationId xmlns:p14="http://schemas.microsoft.com/office/powerpoint/2010/main" val="1"/>
+      </p:ext>
+    </p:extLst>
   </p:cSld>
   <p:clrMap bg1="lt1" tx1="dk1" bg2="lt2" tx2="dk2" accent1="accent1" accent2="accent2" accent3="accent3" accent4="accent4" accent5="accent5" accent6="accent6" hlink="hlink" folHlink="folHlink"/>
 </p:handoutMaster>
@@ -7979,13 +7984,13 @@
               <a:buNone/>
             </a:pPr>
             <a:r>
-              <a:rPr lang="en-US" altLang="zh-CN" sz="2000" b="1">
+              <a:rPr lang="en-US" altLang="zh-CN" sz="2000" b="1" dirty="0">
                 <a:solidFill>
                   <a:srgbClr val="0432FF"/>
                 </a:solidFill>
                 <a:latin typeface="Courier New" panose="02070309020205020404" pitchFamily="49" charset="0"/>
               </a:rPr>
-              <a:t>x := 5;</a:t>
+              <a:t>x = 5;</a:t>
             </a:r>
           </a:p>
           <a:p>
@@ -8004,7 +8009,7 @@
               <a:buNone/>
             </a:pPr>
             <a:r>
-              <a:rPr lang="en-US" altLang="zh-CN" sz="2000" b="1">
+              <a:rPr lang="en-US" altLang="zh-CN" sz="2000" b="1" dirty="0">
                 <a:solidFill>
                   <a:srgbClr val="0432FF"/>
                 </a:solidFill>
@@ -9397,13 +9402,13 @@
               </a:spcBef>
             </a:pPr>
             <a:r>
-              <a:rPr lang="en-US" altLang="zh-CN" sz="2000" b="1">
+              <a:rPr lang="en-US" altLang="zh-CN" sz="2000" b="1" dirty="0">
                 <a:solidFill>
                   <a:srgbClr val="0432FF"/>
                 </a:solidFill>
                 <a:latin typeface="Courier New" panose="02070309020205020404" pitchFamily="49" charset="0"/>
               </a:rPr>
-              <a:t>:=</a:t>
+              <a:t>=</a:t>
             </a:r>
           </a:p>
         </p:txBody>
@@ -11582,13 +11587,13 @@
               <a:buNone/>
             </a:pPr>
             <a:r>
-              <a:rPr lang="en-US" altLang="zh-CN" sz="2000" b="1">
+              <a:rPr lang="en-US" altLang="zh-CN" sz="2000" b="1" dirty="0">
                 <a:solidFill>
                   <a:schemeClr val="folHlink"/>
                 </a:solidFill>
                 <a:latin typeface="Courier New" panose="02070309020205020404" pitchFamily="49" charset="0"/>
               </a:rPr>
-              <a:t>x := 5;</a:t>
+              <a:t>x = 5;</a:t>
             </a:r>
           </a:p>
           <a:p>
@@ -11607,7 +11612,7 @@
               <a:buNone/>
             </a:pPr>
             <a:r>
-              <a:rPr lang="en-US" altLang="zh-CN" sz="2000" b="1">
+              <a:rPr lang="en-US" altLang="zh-CN" sz="2000" b="1" dirty="0">
                 <a:solidFill>
                   <a:schemeClr val="folHlink"/>
                 </a:solidFill>
@@ -13000,13 +13005,13 @@
               </a:spcBef>
             </a:pPr>
             <a:r>
-              <a:rPr lang="en-US" altLang="zh-CN" sz="2000" b="1">
+              <a:rPr lang="en-US" altLang="zh-CN" sz="2000" b="1" dirty="0">
                 <a:solidFill>
                   <a:srgbClr val="0432FF"/>
                 </a:solidFill>
                 <a:latin typeface="Courier New" panose="02070309020205020404" pitchFamily="49" charset="0"/>
               </a:rPr>
-              <a:t>:=</a:t>
+              <a:t>=</a:t>
             </a:r>
           </a:p>
         </p:txBody>
@@ -25204,7 +25209,7 @@
               <a:buNone/>
             </a:pPr>
             <a:r>
-              <a:rPr lang="en-US" altLang="zh-CN" sz="2000" b="1">
+              <a:rPr lang="en-US" altLang="zh-CN" sz="2000" b="1" dirty="0">
                 <a:latin typeface="Courier New" panose="02070309020205020404" pitchFamily="49" charset="0"/>
               </a:rPr>
               <a:t>// SLP as in Tiger book chap. 1 (simplified):</a:t>
@@ -25218,7 +25223,7 @@
               <a:buFont typeface="Wingdings" pitchFamily="2" charset="2"/>
               <a:buNone/>
             </a:pPr>
-            <a:endParaRPr lang="en-US" altLang="zh-CN" sz="2000" b="1">
+            <a:endParaRPr lang="en-US" altLang="zh-CN" sz="2000" b="1" dirty="0">
               <a:latin typeface="Courier New" panose="02070309020205020404" pitchFamily="49" charset="0"/>
             </a:endParaRPr>
           </a:p>
@@ -25231,17 +25236,168 @@
               <a:buNone/>
             </a:pPr>
             <a:r>
-              <a:rPr lang="en-US" altLang="zh-CN" sz="2000" b="1" i="1">
+              <a:rPr lang="en-US" altLang="zh-CN" sz="2000" b="1" i="1" dirty="0">
                 <a:latin typeface="Courier New" panose="02070309020205020404" pitchFamily="49" charset="0"/>
               </a:rPr>
               <a:t>N</a:t>
             </a:r>
             <a:r>
-              <a:rPr lang="en-US" altLang="zh-CN" sz="2000" b="1">
+              <a:rPr lang="en-US" altLang="zh-CN" sz="2000" b="1" dirty="0">
                 <a:latin typeface="Courier New" panose="02070309020205020404" pitchFamily="49" charset="0"/>
               </a:rPr>
               <a:t> = {S, E}</a:t>
             </a:r>
+          </a:p>
+          <a:p>
+            <a:pPr eaLnBrk="1" hangingPunct="1">
+              <a:lnSpc>
+                <a:spcPct val="80000"/>
+              </a:lnSpc>
+              <a:buNone/>
+            </a:pPr>
+            <a:r>
+              <a:rPr lang="en-US" altLang="zh-CN" sz="2000" b="1" i="1" dirty="0">
+                <a:latin typeface="Courier New" panose="02070309020205020404" pitchFamily="49" charset="0"/>
+              </a:rPr>
+              <a:t>T</a:t>
+            </a:r>
+            <a:r>
+              <a:rPr lang="en-US" altLang="zh-CN" sz="2000" b="1" dirty="0">
+                <a:latin typeface="Courier New" panose="02070309020205020404" pitchFamily="49" charset="0"/>
+              </a:rPr>
+              <a:t> = {</a:t>
+            </a:r>
+            <a:r>
+              <a:rPr lang="en-US" altLang="zh-CN" sz="2000" b="1" dirty="0">
+                <a:solidFill>
+                  <a:schemeClr val="folHlink"/>
+                </a:solidFill>
+                <a:latin typeface="Courier New" panose="02070309020205020404" pitchFamily="49" charset="0"/>
+              </a:rPr>
+              <a:t>SEMICOLON</a:t>
+            </a:r>
+            <a:r>
+              <a:rPr lang="en-US" altLang="zh-CN" sz="2000" b="1" dirty="0">
+                <a:latin typeface="Courier New" panose="02070309020205020404" pitchFamily="49" charset="0"/>
+              </a:rPr>
+              <a:t>, </a:t>
+            </a:r>
+            <a:r>
+              <a:rPr lang="en-US" altLang="zh-CN" sz="2000" b="1" dirty="0">
+                <a:solidFill>
+                  <a:schemeClr val="folHlink"/>
+                </a:solidFill>
+                <a:latin typeface="Courier New" panose="02070309020205020404" pitchFamily="49" charset="0"/>
+              </a:rPr>
+              <a:t>ID</a:t>
+            </a:r>
+            <a:r>
+              <a:rPr lang="en-US" altLang="zh-CN" sz="2000" b="1" dirty="0">
+                <a:latin typeface="Courier New" panose="02070309020205020404" pitchFamily="49" charset="0"/>
+              </a:rPr>
+              <a:t>, </a:t>
+            </a:r>
+            <a:r>
+              <a:rPr lang="en-US" altLang="zh-CN" sz="2000" b="1" dirty="0">
+                <a:solidFill>
+                  <a:schemeClr val="folHlink"/>
+                </a:solidFill>
+                <a:latin typeface="Courier New" panose="02070309020205020404" pitchFamily="49" charset="0"/>
+              </a:rPr>
+              <a:t>ASSIGN, PRINT, LPAREN, RPAREN, </a:t>
+            </a:r>
+          </a:p>
+          <a:p>
+            <a:pPr eaLnBrk="1" hangingPunct="1">
+              <a:lnSpc>
+                <a:spcPct val="80000"/>
+              </a:lnSpc>
+              <a:buNone/>
+            </a:pPr>
+            <a:r>
+              <a:rPr lang="en-US" altLang="zh-CN" sz="2000" b="1">
+                <a:solidFill>
+                  <a:schemeClr val="folHlink"/>
+                </a:solidFill>
+                <a:latin typeface="Courier New" panose="02070309020205020404" pitchFamily="49" charset="0"/>
+              </a:rPr>
+              <a:t>     NUM</a:t>
+            </a:r>
+            <a:r>
+              <a:rPr lang="en-US" altLang="zh-CN" sz="2000" b="1" dirty="0">
+                <a:solidFill>
+                  <a:schemeClr val="folHlink"/>
+                </a:solidFill>
+                <a:latin typeface="Courier New" panose="02070309020205020404" pitchFamily="49" charset="0"/>
+              </a:rPr>
+              <a:t>,</a:t>
+            </a:r>
+            <a:r>
+              <a:rPr lang="zh-CN" altLang="en-US" sz="2000" b="1" dirty="0">
+                <a:solidFill>
+                  <a:schemeClr val="folHlink"/>
+                </a:solidFill>
+                <a:latin typeface="Courier New" panose="02070309020205020404" pitchFamily="49" charset="0"/>
+              </a:rPr>
+              <a:t> </a:t>
+            </a:r>
+            <a:r>
+              <a:rPr lang="en-US" altLang="zh-CN" sz="2000" b="1" dirty="0">
+                <a:solidFill>
+                  <a:schemeClr val="folHlink"/>
+                </a:solidFill>
+                <a:latin typeface="Courier New" panose="02070309020205020404" pitchFamily="49" charset="0"/>
+              </a:rPr>
+              <a:t>PLUS,</a:t>
+            </a:r>
+            <a:r>
+              <a:rPr lang="zh-CN" altLang="en-US" sz="2000" b="1" dirty="0">
+                <a:solidFill>
+                  <a:schemeClr val="folHlink"/>
+                </a:solidFill>
+                <a:latin typeface="Courier New" panose="02070309020205020404" pitchFamily="49" charset="0"/>
+              </a:rPr>
+              <a:t> </a:t>
+            </a:r>
+            <a:r>
+              <a:rPr lang="en-US" altLang="zh-CN" sz="2000" b="1" dirty="0">
+                <a:solidFill>
+                  <a:schemeClr val="folHlink"/>
+                </a:solidFill>
+                <a:latin typeface="Courier New" panose="02070309020205020404" pitchFamily="49" charset="0"/>
+              </a:rPr>
+              <a:t>TIMES</a:t>
+            </a:r>
+            <a:r>
+              <a:rPr lang="en-US" altLang="zh-CN" sz="2000" b="1" dirty="0">
+                <a:latin typeface="Courier New" panose="02070309020205020404" pitchFamily="49" charset="0"/>
+              </a:rPr>
+              <a:t>,</a:t>
+            </a:r>
+            <a:r>
+              <a:rPr lang="en-US" altLang="zh-CN" sz="2000" b="1" dirty="0">
+                <a:solidFill>
+                  <a:schemeClr val="folHlink"/>
+                </a:solidFill>
+                <a:latin typeface="Courier New" panose="02070309020205020404" pitchFamily="49" charset="0"/>
+              </a:rPr>
+              <a:t>,</a:t>
+            </a:r>
+            <a:r>
+              <a:rPr lang="zh-CN" altLang="en-US" sz="2000" b="1" dirty="0">
+                <a:solidFill>
+                  <a:schemeClr val="folHlink"/>
+                </a:solidFill>
+                <a:latin typeface="Courier New" panose="02070309020205020404" pitchFamily="49" charset="0"/>
+              </a:rPr>
+              <a:t> </a:t>
+            </a:r>
+            <a:endParaRPr lang="en-US" altLang="zh-CN" sz="2000" b="1" dirty="0">
+              <a:solidFill>
+                <a:schemeClr val="folHlink"/>
+              </a:solidFill>
+              <a:latin typeface="Courier New" panose="02070309020205020404" pitchFamily="49" charset="0"/>
+            </a:endParaRPr>
           </a:p>
           <a:p>
             <a:pPr eaLnBrk="1" hangingPunct="1">
@@ -25252,140 +25408,20 @@
               <a:buNone/>
             </a:pPr>
             <a:r>
-              <a:rPr lang="en-US" altLang="zh-CN" sz="2000" b="1" i="1">
+              <a:rPr lang="en-US" altLang="zh-CN" sz="2000" b="1" dirty="0">
+                <a:solidFill>
+                  <a:schemeClr val="folHlink"/>
+                </a:solidFill>
                 <a:latin typeface="Courier New" panose="02070309020205020404" pitchFamily="49" charset="0"/>
               </a:rPr>
-              <a:t>T</a:t>
-            </a:r>
-            <a:r>
-              <a:rPr lang="en-US" altLang="zh-CN" sz="2000" b="1">
+              <a:t>,,</a:t>
+            </a:r>
+            <a:r>
+              <a:rPr lang="en-US" altLang="zh-CN" sz="2000" b="1" dirty="0">
                 <a:latin typeface="Courier New" panose="02070309020205020404" pitchFamily="49" charset="0"/>
               </a:rPr>
-              <a:t> = {</a:t>
-            </a:r>
-            <a:r>
-              <a:rPr lang="en-US" altLang="zh-CN" sz="2000" b="1">
-                <a:solidFill>
-                  <a:schemeClr val="folHlink"/>
-                </a:solidFill>
-                <a:latin typeface="Courier New" panose="02070309020205020404" pitchFamily="49" charset="0"/>
-              </a:rPr>
-              <a:t>SEMICOLON</a:t>
-            </a:r>
-            <a:r>
-              <a:rPr lang="en-US" altLang="zh-CN" sz="2000" b="1">
-                <a:latin typeface="Courier New" panose="02070309020205020404" pitchFamily="49" charset="0"/>
-              </a:rPr>
-              <a:t>, </a:t>
-            </a:r>
-            <a:r>
-              <a:rPr lang="en-US" altLang="zh-CN" sz="2000" b="1">
-                <a:solidFill>
-                  <a:schemeClr val="folHlink"/>
-                </a:solidFill>
-                <a:latin typeface="Courier New" panose="02070309020205020404" pitchFamily="49" charset="0"/>
-              </a:rPr>
-              <a:t>ID</a:t>
-            </a:r>
-            <a:r>
-              <a:rPr lang="en-US" altLang="zh-CN" sz="2000" b="1">
-                <a:latin typeface="Courier New" panose="02070309020205020404" pitchFamily="49" charset="0"/>
-              </a:rPr>
-              <a:t>, </a:t>
-            </a:r>
-            <a:r>
-              <a:rPr lang="en-US" altLang="zh-CN" sz="2000" b="1">
-                <a:solidFill>
-                  <a:schemeClr val="folHlink"/>
-                </a:solidFill>
-                <a:latin typeface="Courier New" panose="02070309020205020404" pitchFamily="49" charset="0"/>
-              </a:rPr>
-              <a:t>NUM,</a:t>
-            </a:r>
-            <a:r>
-              <a:rPr lang="zh-CN" altLang="en-US" sz="2000" b="1">
-                <a:solidFill>
-                  <a:schemeClr val="folHlink"/>
-                </a:solidFill>
-                <a:latin typeface="Courier New" panose="02070309020205020404" pitchFamily="49" charset="0"/>
-              </a:rPr>
-              <a:t> </a:t>
-            </a:r>
-            <a:r>
-              <a:rPr lang="en-US" altLang="zh-CN" sz="2000" b="1">
-                <a:solidFill>
-                  <a:schemeClr val="folHlink"/>
-                </a:solidFill>
-                <a:latin typeface="Courier New" panose="02070309020205020404" pitchFamily="49" charset="0"/>
-              </a:rPr>
-              <a:t>PLUS,</a:t>
-            </a:r>
-            <a:r>
-              <a:rPr lang="zh-CN" altLang="en-US" sz="2000" b="1">
-                <a:solidFill>
-                  <a:schemeClr val="folHlink"/>
-                </a:solidFill>
-                <a:latin typeface="Courier New" panose="02070309020205020404" pitchFamily="49" charset="0"/>
-              </a:rPr>
-              <a:t> </a:t>
-            </a:r>
-            <a:r>
-              <a:rPr lang="en-US" altLang="zh-CN" sz="2000" b="1">
-                <a:solidFill>
-                  <a:schemeClr val="folHlink"/>
-                </a:solidFill>
-                <a:latin typeface="Courier New" panose="02070309020205020404" pitchFamily="49" charset="0"/>
-              </a:rPr>
-              <a:t>TIMES,</a:t>
-            </a:r>
-            <a:r>
-              <a:rPr lang="zh-CN" altLang="en-US" sz="2000" b="1">
-                <a:solidFill>
-                  <a:schemeClr val="folHlink"/>
-                </a:solidFill>
-                <a:latin typeface="Courier New" panose="02070309020205020404" pitchFamily="49" charset="0"/>
-              </a:rPr>
-              <a:t> </a:t>
-            </a:r>
-            <a:r>
-              <a:rPr lang="en-US" altLang="zh-CN" sz="2000" b="1">
-                <a:solidFill>
-                  <a:schemeClr val="folHlink"/>
-                </a:solidFill>
-                <a:latin typeface="Courier New" panose="02070309020205020404" pitchFamily="49" charset="0"/>
-              </a:rPr>
-              <a:t>IF</a:t>
-            </a:r>
-            <a:r>
-              <a:rPr lang="en-US" altLang="zh-CN" sz="2000" b="1">
-                <a:latin typeface="Courier New" panose="02070309020205020404" pitchFamily="49" charset="0"/>
-              </a:rPr>
-              <a:t>, </a:t>
-            </a:r>
-            <a:r>
-              <a:rPr lang="en-US" altLang="zh-CN" sz="2000" b="1">
-                <a:solidFill>
-                  <a:schemeClr val="folHlink"/>
-                </a:solidFill>
-                <a:latin typeface="Courier New" panose="02070309020205020404" pitchFamily="49" charset="0"/>
-              </a:rPr>
-              <a:t>ASSIGN,</a:t>
-            </a:r>
-            <a:r>
-              <a:rPr lang="zh-CN" altLang="en-US" sz="2000" b="1">
-                <a:solidFill>
-                  <a:schemeClr val="folHlink"/>
-                </a:solidFill>
-                <a:latin typeface="Courier New" panose="02070309020205020404" pitchFamily="49" charset="0"/>
-              </a:rPr>
-              <a:t> </a:t>
-            </a:r>
-            <a:endParaRPr lang="en-US" altLang="zh-CN" sz="2000" b="1">
-              <a:solidFill>
-                <a:schemeClr val="folHlink"/>
-              </a:solidFill>
-              <a:latin typeface="Courier New" panose="02070309020205020404" pitchFamily="49" charset="0"/>
-            </a:endParaRPr>
+              <a:t>}</a:t>
+            </a:r>
           </a:p>
           <a:p>
             <a:pPr eaLnBrk="1" hangingPunct="1">
@@ -25396,64 +25432,16 @@
               <a:buNone/>
             </a:pPr>
             <a:r>
-              <a:rPr lang="zh-CN" altLang="en-US" sz="2000" b="1">
-                <a:solidFill>
-                  <a:schemeClr val="folHlink"/>
-                </a:solidFill>
+              <a:rPr lang="en-US" altLang="zh-CN" sz="2000" b="1" i="1" dirty="0">
                 <a:latin typeface="Courier New" panose="02070309020205020404" pitchFamily="49" charset="0"/>
               </a:rPr>
-              <a:t>     </a:t>
-            </a:r>
-            <a:r>
-              <a:rPr lang="en-US" altLang="zh-CN" sz="2000" b="1">
-                <a:solidFill>
-                  <a:schemeClr val="folHlink"/>
-                </a:solidFill>
+              <a:t>S</a:t>
+            </a:r>
+            <a:r>
+              <a:rPr lang="en-US" altLang="zh-CN" sz="2000" b="1" dirty="0">
                 <a:latin typeface="Courier New" panose="02070309020205020404" pitchFamily="49" charset="0"/>
               </a:rPr>
-              <a:t>PRINT,</a:t>
-            </a:r>
-            <a:r>
-              <a:rPr lang="zh-CN" altLang="en-US" sz="2000" b="1">
-                <a:solidFill>
-                  <a:schemeClr val="folHlink"/>
-                </a:solidFill>
-                <a:latin typeface="Courier New" panose="02070309020205020404" pitchFamily="49" charset="0"/>
-              </a:rPr>
-              <a:t> </a:t>
-            </a:r>
-            <a:r>
-              <a:rPr lang="en-US" altLang="zh-CN" sz="2000" b="1">
-                <a:solidFill>
-                  <a:schemeClr val="folHlink"/>
-                </a:solidFill>
-                <a:latin typeface="Courier New" panose="02070309020205020404" pitchFamily="49" charset="0"/>
-              </a:rPr>
-              <a:t>LPAREN,</a:t>
-            </a:r>
-            <a:r>
-              <a:rPr lang="zh-CN" altLang="en-US" sz="2000" b="1">
-                <a:solidFill>
-                  <a:schemeClr val="folHlink"/>
-                </a:solidFill>
-                <a:latin typeface="Courier New" panose="02070309020205020404" pitchFamily="49" charset="0"/>
-              </a:rPr>
-              <a:t> </a:t>
-            </a:r>
-            <a:r>
-              <a:rPr lang="en-US" altLang="zh-CN" sz="2000" b="1">
-                <a:solidFill>
-                  <a:schemeClr val="folHlink"/>
-                </a:solidFill>
-                <a:latin typeface="Courier New" panose="02070309020205020404" pitchFamily="49" charset="0"/>
-              </a:rPr>
-              <a:t>RPAREN</a:t>
-            </a:r>
-            <a:r>
-              <a:rPr lang="en-US" altLang="zh-CN" sz="2000" b="1">
-                <a:latin typeface="Courier New" panose="02070309020205020404" pitchFamily="49" charset="0"/>
-              </a:rPr>
-              <a:t>}</a:t>
+              <a:t> = S</a:t>
             </a:r>
           </a:p>
           <a:p>
@@ -25464,18 +25452,9 @@
               <a:buFont typeface="Wingdings" pitchFamily="2" charset="2"/>
               <a:buNone/>
             </a:pPr>
-            <a:r>
-              <a:rPr lang="en-US" altLang="zh-CN" sz="2000" b="1" i="1">
-                <a:latin typeface="Courier New" panose="02070309020205020404" pitchFamily="49" charset="0"/>
-              </a:rPr>
-              <a:t>S</a:t>
-            </a:r>
-            <a:r>
-              <a:rPr lang="en-US" altLang="zh-CN" sz="2000" b="1">
-                <a:latin typeface="Courier New" panose="02070309020205020404" pitchFamily="49" charset="0"/>
-              </a:rPr>
-              <a:t> = S</a:t>
-            </a:r>
+            <a:endParaRPr lang="en-US" altLang="zh-CN" sz="2000" b="1" dirty="0">
+              <a:latin typeface="Courier New" panose="02070309020205020404" pitchFamily="49" charset="0"/>
+            </a:endParaRPr>
           </a:p>
           <a:p>
             <a:pPr eaLnBrk="1" hangingPunct="1">
@@ -25485,9 +25464,42 @@
               <a:buFont typeface="Wingdings" pitchFamily="2" charset="2"/>
               <a:buNone/>
             </a:pPr>
-            <a:endParaRPr lang="en-US" altLang="zh-CN" sz="2000" b="1">
-              <a:latin typeface="Courier New" panose="02070309020205020404" pitchFamily="49" charset="0"/>
-            </a:endParaRPr>
+            <a:r>
+              <a:rPr lang="en-US" altLang="zh-CN" sz="2000" b="1" dirty="0">
+                <a:latin typeface="Courier New" panose="02070309020205020404" pitchFamily="49" charset="0"/>
+              </a:rPr>
+              <a:t>S</a:t>
+            </a:r>
+            <a:r>
+              <a:rPr lang="en-US" altLang="zh-CN" sz="2000" b="1" dirty="0">
+                <a:solidFill>
+                  <a:schemeClr val="folHlink"/>
+                </a:solidFill>
+                <a:latin typeface="Courier New" panose="02070309020205020404" pitchFamily="49" charset="0"/>
+              </a:rPr>
+              <a:t>  -&gt; </a:t>
+            </a:r>
+            <a:r>
+              <a:rPr lang="en-US" altLang="zh-CN" sz="2000" b="1" dirty="0">
+                <a:latin typeface="Courier New" panose="02070309020205020404" pitchFamily="49" charset="0"/>
+              </a:rPr>
+              <a:t>S</a:t>
+            </a:r>
+            <a:r>
+              <a:rPr lang="en-US" altLang="zh-CN" sz="2000" b="1" dirty="0">
+                <a:solidFill>
+                  <a:schemeClr val="folHlink"/>
+                </a:solidFill>
+                <a:latin typeface="Courier New" panose="02070309020205020404" pitchFamily="49" charset="0"/>
+              </a:rPr>
+              <a:t> SEMICOLON </a:t>
+            </a:r>
+            <a:r>
+              <a:rPr lang="en-US" altLang="zh-CN" sz="2000" b="1" dirty="0">
+                <a:latin typeface="Courier New" panose="02070309020205020404" pitchFamily="49" charset="0"/>
+              </a:rPr>
+              <a:t>S</a:t>
+            </a:r>
           </a:p>
           <a:p>
             <a:pPr eaLnBrk="1" hangingPunct="1">
@@ -25498,40 +25510,19 @@
               <a:buNone/>
             </a:pPr>
             <a:r>
-              <a:rPr lang="en-US" altLang="zh-CN" sz="2000" b="1">
+              <a:rPr lang="en-US" altLang="zh-CN" sz="2000" b="1" dirty="0">
+                <a:solidFill>
+                  <a:schemeClr val="folHlink"/>
+                </a:solidFill>
                 <a:latin typeface="Courier New" panose="02070309020205020404" pitchFamily="49" charset="0"/>
               </a:rPr>
-              <a:t>S</a:t>
-            </a:r>
-            <a:r>
-              <a:rPr lang="en-US" altLang="zh-CN" sz="2000" b="1">
-                <a:solidFill>
-                  <a:schemeClr val="folHlink"/>
-                </a:solidFill>
+              <a:t>    | ID ASSIGN </a:t>
+            </a:r>
+            <a:r>
+              <a:rPr lang="en-US" altLang="zh-CN" sz="2000" b="1" dirty="0">
                 <a:latin typeface="Courier New" panose="02070309020205020404" pitchFamily="49" charset="0"/>
               </a:rPr>
-              <a:t>  -&gt; </a:t>
-            </a:r>
-            <a:r>
-              <a:rPr lang="en-US" altLang="zh-CN" sz="2000" b="1">
-                <a:latin typeface="Courier New" panose="02070309020205020404" pitchFamily="49" charset="0"/>
-              </a:rPr>
-              <a:t>S</a:t>
-            </a:r>
-            <a:r>
-              <a:rPr lang="en-US" altLang="zh-CN" sz="2000" b="1">
-                <a:solidFill>
-                  <a:schemeClr val="folHlink"/>
-                </a:solidFill>
-                <a:latin typeface="Courier New" panose="02070309020205020404" pitchFamily="49" charset="0"/>
-              </a:rPr>
-              <a:t> SEMICOLON </a:t>
-            </a:r>
-            <a:r>
-              <a:rPr lang="en-US" altLang="zh-CN" sz="2000" b="1">
-                <a:latin typeface="Courier New" panose="02070309020205020404" pitchFamily="49" charset="0"/>
-              </a:rPr>
-              <a:t>S</a:t>
+              <a:t>E</a:t>
             </a:r>
           </a:p>
           <a:p>
@@ -25543,19 +25534,28 @@
               <a:buNone/>
             </a:pPr>
             <a:r>
-              <a:rPr lang="en-US" altLang="zh-CN" sz="2000" b="1">
+              <a:rPr lang="en-US" altLang="zh-CN" sz="2000" b="1" dirty="0">
                 <a:solidFill>
                   <a:schemeClr val="folHlink"/>
                 </a:solidFill>
                 <a:latin typeface="Courier New" panose="02070309020205020404" pitchFamily="49" charset="0"/>
               </a:rPr>
-              <a:t>    | ID ASSIGN </a:t>
-            </a:r>
-            <a:r>
-              <a:rPr lang="en-US" altLang="zh-CN" sz="2000" b="1">
+              <a:t>    | PRINT LPAREN </a:t>
+            </a:r>
+            <a:r>
+              <a:rPr lang="en-US" altLang="zh-CN" sz="2000" b="1" dirty="0">
                 <a:latin typeface="Courier New" panose="02070309020205020404" pitchFamily="49" charset="0"/>
               </a:rPr>
               <a:t>E</a:t>
+            </a:r>
+            <a:r>
+              <a:rPr lang="en-US" altLang="zh-CN" sz="2000" b="1" dirty="0">
+                <a:solidFill>
+                  <a:schemeClr val="folHlink"/>
+                </a:solidFill>
+                <a:latin typeface="Courier New" panose="02070309020205020404" pitchFamily="49" charset="0"/>
+              </a:rPr>
+              <a:t> RPAREN</a:t>
             </a:r>
           </a:p>
           <a:p>
@@ -25567,28 +25567,19 @@
               <a:buNone/>
             </a:pPr>
             <a:r>
-              <a:rPr lang="en-US" altLang="zh-CN" sz="2000" b="1">
-                <a:solidFill>
-                  <a:schemeClr val="folHlink"/>
-                </a:solidFill>
-                <a:latin typeface="Courier New" panose="02070309020205020404" pitchFamily="49" charset="0"/>
-              </a:rPr>
-              <a:t>    | PRINT LPAREN </a:t>
-            </a:r>
-            <a:r>
-              <a:rPr lang="en-US" altLang="zh-CN" sz="2000" b="1">
+              <a:rPr lang="en-US" altLang="zh-CN" sz="2000" b="1" dirty="0">
                 <a:latin typeface="Courier New" panose="02070309020205020404" pitchFamily="49" charset="0"/>
               </a:rPr>
               <a:t>E</a:t>
             </a:r>
             <a:r>
-              <a:rPr lang="en-US" altLang="zh-CN" sz="2000" b="1">
+              <a:rPr lang="en-US" altLang="zh-CN" sz="2000" b="1" dirty="0">
                 <a:solidFill>
                   <a:schemeClr val="folHlink"/>
                 </a:solidFill>
                 <a:latin typeface="Courier New" panose="02070309020205020404" pitchFamily="49" charset="0"/>
               </a:rPr>
-              <a:t> RPAREN</a:t>
+              <a:t>  -&gt; ID</a:t>
             </a:r>
           </a:p>
           <a:p>
@@ -25600,19 +25591,13 @@
               <a:buNone/>
             </a:pPr>
             <a:r>
-              <a:rPr lang="en-US" altLang="zh-CN" sz="2000" b="1">
+              <a:rPr lang="en-US" altLang="zh-CN" sz="2000" b="1" dirty="0">
+                <a:solidFill>
+                  <a:schemeClr val="folHlink"/>
+                </a:solidFill>
                 <a:latin typeface="Courier New" panose="02070309020205020404" pitchFamily="49" charset="0"/>
               </a:rPr>
-              <a:t>E</a:t>
-            </a:r>
-            <a:r>
-              <a:rPr lang="en-US" altLang="zh-CN" sz="2000" b="1">
-                <a:solidFill>
-                  <a:schemeClr val="folHlink"/>
-                </a:solidFill>
-                <a:latin typeface="Courier New" panose="02070309020205020404" pitchFamily="49" charset="0"/>
-              </a:rPr>
-              <a:t>  -&gt; ID</a:t>
+              <a:t>    | NUM</a:t>
             </a:r>
           </a:p>
           <a:p>
@@ -25624,13 +25609,34 @@
               <a:buNone/>
             </a:pPr>
             <a:r>
-              <a:rPr lang="en-US" altLang="zh-CN" sz="2000" b="1">
+              <a:rPr lang="en-US" altLang="zh-CN" sz="2000" b="1" dirty="0">
                 <a:solidFill>
                   <a:schemeClr val="folHlink"/>
                 </a:solidFill>
                 <a:latin typeface="Courier New" panose="02070309020205020404" pitchFamily="49" charset="0"/>
               </a:rPr>
-              <a:t>    | NUM</a:t>
+              <a:t>    | </a:t>
+            </a:r>
+            <a:r>
+              <a:rPr lang="en-US" altLang="zh-CN" sz="2000" b="1" dirty="0">
+                <a:latin typeface="Courier New" panose="02070309020205020404" pitchFamily="49" charset="0"/>
+              </a:rPr>
+              <a:t>E</a:t>
+            </a:r>
+            <a:r>
+              <a:rPr lang="en-US" altLang="zh-CN" sz="2000" b="1" dirty="0">
+                <a:solidFill>
+                  <a:schemeClr val="folHlink"/>
+                </a:solidFill>
+                <a:latin typeface="Courier New" panose="02070309020205020404" pitchFamily="49" charset="0"/>
+              </a:rPr>
+              <a:t> PLUS </a:t>
+            </a:r>
+            <a:r>
+              <a:rPr lang="en-US" altLang="zh-CN" sz="2000" b="1" dirty="0">
+                <a:latin typeface="Courier New" panose="02070309020205020404" pitchFamily="49" charset="0"/>
+              </a:rPr>
+              <a:t>E</a:t>
             </a:r>
           </a:p>
           <a:p>
@@ -25642,7 +25648,7 @@
               <a:buNone/>
             </a:pPr>
             <a:r>
-              <a:rPr lang="en-US" altLang="zh-CN" sz="2000" b="1">
+              <a:rPr lang="en-US" altLang="zh-CN" sz="2000" b="1" dirty="0">
                 <a:solidFill>
                   <a:schemeClr val="folHlink"/>
                 </a:solidFill>
@@ -25651,52 +25657,13 @@
               <a:t>    | </a:t>
             </a:r>
             <a:r>
-              <a:rPr lang="en-US" altLang="zh-CN" sz="2000" b="1">
+              <a:rPr lang="en-US" altLang="zh-CN" sz="2000" b="1" dirty="0">
                 <a:latin typeface="Courier New" panose="02070309020205020404" pitchFamily="49" charset="0"/>
               </a:rPr>
               <a:t>E</a:t>
             </a:r>
             <a:r>
-              <a:rPr lang="en-US" altLang="zh-CN" sz="2000" b="1">
-                <a:solidFill>
-                  <a:schemeClr val="folHlink"/>
-                </a:solidFill>
-                <a:latin typeface="Courier New" panose="02070309020205020404" pitchFamily="49" charset="0"/>
-              </a:rPr>
-              <a:t> PLUS </a:t>
-            </a:r>
-            <a:r>
-              <a:rPr lang="en-US" altLang="zh-CN" sz="2000" b="1">
-                <a:latin typeface="Courier New" panose="02070309020205020404" pitchFamily="49" charset="0"/>
-              </a:rPr>
-              <a:t>E</a:t>
-            </a:r>
-          </a:p>
-          <a:p>
-            <a:pPr eaLnBrk="1" hangingPunct="1">
-              <a:lnSpc>
-                <a:spcPct val="80000"/>
-              </a:lnSpc>
-              <a:buFont typeface="Wingdings" pitchFamily="2" charset="2"/>
-              <a:buNone/>
-            </a:pPr>
-            <a:r>
-              <a:rPr lang="en-US" altLang="zh-CN" sz="2000" b="1">
-                <a:solidFill>
-                  <a:schemeClr val="folHlink"/>
-                </a:solidFill>
-                <a:latin typeface="Courier New" panose="02070309020205020404" pitchFamily="49" charset="0"/>
-              </a:rPr>
-              <a:t>    | </a:t>
-            </a:r>
-            <a:r>
-              <a:rPr lang="en-US" altLang="zh-CN" sz="2000" b="1">
-                <a:latin typeface="Courier New" panose="02070309020205020404" pitchFamily="49" charset="0"/>
-              </a:rPr>
-              <a:t>E</a:t>
-            </a:r>
-            <a:r>
-              <a:rPr lang="en-US" altLang="zh-CN" sz="2000" b="1">
+              <a:rPr lang="en-US" altLang="zh-CN" sz="2000" b="1" dirty="0">
                 <a:solidFill>
                   <a:schemeClr val="folHlink"/>
                 </a:solidFill>
@@ -25705,7 +25672,7 @@
               <a:t> TIMES </a:t>
             </a:r>
             <a:r>
-              <a:rPr lang="en-US" altLang="zh-CN" sz="2000" b="1">
+              <a:rPr lang="en-US" altLang="zh-CN" sz="2000" b="1" dirty="0">
                 <a:latin typeface="Courier New" panose="02070309020205020404" pitchFamily="49" charset="0"/>
               </a:rPr>
               <a:t>E</a:t>
@@ -25910,6 +25877,49 @@
                                   </p:childTnLst>
                                 </p:cTn>
                               </p:par>
+                              <p:par>
+                                <p:cTn id="17" presetID="3" presetClass="entr" presetSubtype="10" fill="hold" nodeType="withEffect">
+                                  <p:stCondLst>
+                                    <p:cond delay="0"/>
+                                  </p:stCondLst>
+                                  <p:childTnLst>
+                                    <p:set>
+                                      <p:cBhvr>
+                                        <p:cTn id="18" dur="1" fill="hold">
+                                          <p:stCondLst>
+                                            <p:cond delay="0"/>
+                                          </p:stCondLst>
+                                        </p:cTn>
+                                        <p:tgtEl>
+                                          <p:spTgt spid="102403">
+                                            <p:txEl>
+                                              <p:pRg st="6" end="6"/>
+                                            </p:txEl>
+                                          </p:spTgt>
+                                        </p:tgtEl>
+                                        <p:attrNameLst>
+                                          <p:attrName>style.visibility</p:attrName>
+                                        </p:attrNameLst>
+                                      </p:cBhvr>
+                                      <p:to>
+                                        <p:strVal val="visible"/>
+                                      </p:to>
+                                    </p:set>
+                                    <p:animEffect transition="in" filter="blinds(horizontal)">
+                                      <p:cBhvr>
+                                        <p:cTn id="19" dur="500"/>
+                                        <p:tgtEl>
+                                          <p:spTgt spid="102403">
+                                            <p:txEl>
+                                              <p:pRg st="6" end="6"/>
+                                            </p:txEl>
+                                          </p:spTgt>
+                                        </p:tgtEl>
+                                      </p:cBhvr>
+                                    </p:animEffect>
+                                  </p:childTnLst>
+                                </p:cTn>
+                              </p:par>
                             </p:childTnLst>
                           </p:cTn>
                         </p:par>
@@ -26183,7 +26193,7 @@
               <a:buNone/>
             </a:pPr>
             <a:r>
-              <a:rPr lang="en-US" altLang="zh-CN" sz="2000" b="1">
+              <a:rPr lang="en-US" altLang="zh-CN" sz="2000" b="1" dirty="0">
                 <a:solidFill>
                   <a:schemeClr val="folHlink"/>
                 </a:solidFill>
@@ -26201,13 +26211,13 @@
               <a:buNone/>
             </a:pPr>
             <a:r>
-              <a:rPr lang="en-US" altLang="zh-CN" sz="2000" b="1">
+              <a:rPr lang="en-US" altLang="zh-CN" sz="2000" b="1" dirty="0">
                 <a:solidFill>
                   <a:schemeClr val="folHlink"/>
                 </a:solidFill>
                 <a:latin typeface="Courier New" panose="02070309020205020404" pitchFamily="49" charset="0"/>
               </a:rPr>
-              <a:t>   | id := E</a:t>
+              <a:t>   | id = E</a:t>
             </a:r>
           </a:p>
           <a:p>
@@ -26219,7 +26229,7 @@
               <a:buNone/>
             </a:pPr>
             <a:r>
-              <a:rPr lang="en-US" altLang="zh-CN" sz="2000" b="1">
+              <a:rPr lang="en-US" altLang="zh-CN" sz="2000" b="1" dirty="0">
                 <a:solidFill>
                   <a:schemeClr val="folHlink"/>
                 </a:solidFill>
@@ -26237,7 +26247,7 @@
               <a:buNone/>
             </a:pPr>
             <a:r>
-              <a:rPr lang="en-US" altLang="zh-CN" sz="2000" b="1">
+              <a:rPr lang="en-US" altLang="zh-CN" sz="2000" b="1" dirty="0">
                 <a:solidFill>
                   <a:schemeClr val="folHlink"/>
                 </a:solidFill>
@@ -26419,13 +26429,13 @@
               <a:buNone/>
             </a:pPr>
             <a:r>
-              <a:rPr lang="en-US" altLang="zh-CN" sz="2000" b="1">
+              <a:rPr lang="en-US" altLang="zh-CN" sz="2000" b="1" dirty="0">
                 <a:solidFill>
                   <a:schemeClr val="folHlink"/>
                 </a:solidFill>
                 <a:latin typeface="Courier New" panose="02070309020205020404" pitchFamily="49" charset="0"/>
               </a:rPr>
-              <a:t>x := 5;</a:t>
+              <a:t>x = 5;</a:t>
             </a:r>
           </a:p>
           <a:p>
@@ -26444,7 +26454,7 @@
               <a:buNone/>
             </a:pPr>
             <a:r>
-              <a:rPr lang="en-US" altLang="zh-CN" sz="2000" b="1">
+              <a:rPr lang="en-US" altLang="zh-CN" sz="2000" b="1" dirty="0">
                 <a:solidFill>
                   <a:schemeClr val="folHlink"/>
                 </a:solidFill>
@@ -27323,13 +27333,13 @@
               <a:buNone/>
             </a:pPr>
             <a:r>
-              <a:rPr lang="en-US" altLang="zh-CN" sz="2000" b="1">
+              <a:rPr lang="en-US" altLang="zh-CN" sz="2000" b="1" dirty="0">
                 <a:solidFill>
                   <a:schemeClr val="folHlink"/>
                 </a:solidFill>
                 <a:latin typeface="Courier New" panose="02070309020205020404" pitchFamily="49" charset="0"/>
               </a:rPr>
-              <a:t>x := 5;</a:t>
+              <a:t>x = 5;</a:t>
             </a:r>
           </a:p>
           <a:p>
@@ -27348,7 +27358,7 @@
               <a:buNone/>
             </a:pPr>
             <a:r>
-              <a:rPr lang="en-US" altLang="zh-CN" sz="2000" b="1">
+              <a:rPr lang="en-US" altLang="zh-CN" sz="2000" b="1" dirty="0">
                 <a:solidFill>
                   <a:schemeClr val="folHlink"/>
                 </a:solidFill>
@@ -27756,7 +27766,7 @@
               <a:buNone/>
             </a:pPr>
             <a:r>
-              <a:rPr lang="en-US" altLang="zh-CN" sz="2000" b="1">
+              <a:rPr lang="en-US" altLang="zh-CN" sz="2000" b="1" dirty="0">
                 <a:solidFill>
                   <a:schemeClr val="folHlink"/>
                 </a:solidFill>
@@ -27781,7 +27791,7 @@
               <a:buNone/>
             </a:pPr>
             <a:r>
-              <a:rPr lang="en-US" altLang="zh-CN" sz="2000" b="1">
+              <a:rPr lang="en-US" altLang="zh-CN" sz="2000" b="1" dirty="0">
                 <a:solidFill>
                   <a:schemeClr val="folHlink"/>
                 </a:solidFill>
@@ -27790,16 +27800,16 @@
               <a:t>  -&gt; </a:t>
             </a:r>
             <a:r>
-              <a:rPr lang="en-US" altLang="zh-CN" sz="2000" b="1">
+              <a:rPr lang="en-US" altLang="zh-CN" sz="2000" b="1" dirty="0">
                 <a:solidFill>
                   <a:schemeClr val="hlink"/>
                 </a:solidFill>
                 <a:latin typeface="Courier New" panose="02070309020205020404" pitchFamily="49" charset="0"/>
               </a:rPr>
-              <a:t>x := E</a:t>
-            </a:r>
-            <a:r>
-              <a:rPr lang="en-US" altLang="zh-CN" sz="2000" b="1">
+              <a:t>x = E</a:t>
+            </a:r>
+            <a:r>
+              <a:rPr lang="en-US" altLang="zh-CN" sz="2000" b="1" dirty="0">
                 <a:solidFill>
                   <a:schemeClr val="folHlink"/>
                 </a:solidFill>
@@ -27824,16 +27834,16 @@
               <a:buNone/>
             </a:pPr>
             <a:r>
-              <a:rPr lang="en-US" altLang="zh-CN" sz="2000" b="1">
+              <a:rPr lang="en-US" altLang="zh-CN" sz="2000" b="1" dirty="0">
                 <a:solidFill>
                   <a:schemeClr val="folHlink"/>
                 </a:solidFill>
                 <a:latin typeface="Courier New" panose="02070309020205020404" pitchFamily="49" charset="0"/>
               </a:rPr>
-              <a:t>  -&gt; x := </a:t>
-            </a:r>
-            <a:r>
-              <a:rPr lang="en-US" altLang="zh-CN" sz="2000" b="1">
+              <a:t>  -&gt; x = </a:t>
+            </a:r>
+            <a:r>
+              <a:rPr lang="en-US" altLang="zh-CN" sz="2000" b="1" dirty="0">
                 <a:solidFill>
                   <a:schemeClr val="hlink"/>
                 </a:solidFill>
@@ -27842,7 +27852,7 @@
               <a:t>5</a:t>
             </a:r>
             <a:r>
-              <a:rPr lang="en-US" altLang="zh-CN" sz="2000" b="1">
+              <a:rPr lang="en-US" altLang="zh-CN" sz="2000" b="1" dirty="0">
                 <a:solidFill>
                   <a:schemeClr val="folHlink"/>
                 </a:solidFill>
@@ -27867,16 +27877,16 @@
               <a:buNone/>
             </a:pPr>
             <a:r>
-              <a:rPr lang="en-US" altLang="zh-CN" sz="2000" b="1">
+              <a:rPr lang="en-US" altLang="zh-CN" sz="2000" b="1" dirty="0">
                 <a:solidFill>
                   <a:schemeClr val="folHlink"/>
                 </a:solidFill>
                 <a:latin typeface="Courier New" panose="02070309020205020404" pitchFamily="49" charset="0"/>
               </a:rPr>
-              <a:t>  -&gt; x := 5 ; </a:t>
-            </a:r>
-            <a:r>
-              <a:rPr lang="en-US" altLang="zh-CN" sz="2000" b="1">
+              <a:t>  -&gt; x = 5 ; </a:t>
+            </a:r>
+            <a:r>
+              <a:rPr lang="en-US" altLang="zh-CN" sz="2000" b="1" dirty="0">
                 <a:solidFill>
                   <a:schemeClr val="hlink"/>
                 </a:solidFill>
@@ -27901,16 +27911,16 @@
               <a:buNone/>
             </a:pPr>
             <a:r>
-              <a:rPr lang="en-US" altLang="zh-CN" sz="2000" b="1">
+              <a:rPr lang="en-US" altLang="zh-CN" sz="2000" b="1" dirty="0">
                 <a:solidFill>
                   <a:schemeClr val="folHlink"/>
                 </a:solidFill>
                 <a:latin typeface="Courier New" panose="02070309020205020404" pitchFamily="49" charset="0"/>
               </a:rPr>
-              <a:t>  -&gt; x := 5 ; print (</a:t>
-            </a:r>
-            <a:r>
-              <a:rPr lang="en-US" altLang="zh-CN" sz="2000" b="1">
+              <a:t>  -&gt; x = 5 ; print (</a:t>
+            </a:r>
+            <a:r>
+              <a:rPr lang="en-US" altLang="zh-CN" sz="2000" b="1" dirty="0">
                 <a:solidFill>
                   <a:schemeClr val="hlink"/>
                 </a:solidFill>
@@ -27919,7 +27929,7 @@
               <a:t>x</a:t>
             </a:r>
             <a:r>
-              <a:rPr lang="en-US" altLang="zh-CN" sz="2000" b="1">
+              <a:rPr lang="en-US" altLang="zh-CN" sz="2000" b="1" dirty="0">
                 <a:solidFill>
                   <a:schemeClr val="folHlink"/>
                 </a:solidFill>
@@ -28096,7 +28106,7 @@
               <a:buNone/>
             </a:pPr>
             <a:r>
-              <a:rPr lang="en-US" altLang="zh-CN" sz="2000" b="1">
+              <a:rPr lang="en-US" altLang="zh-CN" sz="2000" b="1" dirty="0">
                 <a:solidFill>
                   <a:schemeClr val="folHlink"/>
                 </a:solidFill>
@@ -28121,13 +28131,13 @@
               <a:buNone/>
             </a:pPr>
             <a:r>
-              <a:rPr lang="en-US" altLang="zh-CN" sz="2000" b="1">
+              <a:rPr lang="en-US" altLang="zh-CN" sz="2000" b="1" dirty="0">
                 <a:solidFill>
                   <a:schemeClr val="folHlink"/>
                 </a:solidFill>
                 <a:latin typeface="Courier New" panose="02070309020205020404" pitchFamily="49" charset="0"/>
               </a:rPr>
-              <a:t>   | id := E</a:t>
+              <a:t>   | id = E</a:t>
             </a:r>
           </a:p>
           <a:p>
@@ -28146,7 +28156,7 @@
               <a:buNone/>
             </a:pPr>
             <a:r>
-              <a:rPr lang="en-US" altLang="zh-CN" sz="2000" b="1">
+              <a:rPr lang="en-US" altLang="zh-CN" sz="2000" b="1" dirty="0">
                 <a:solidFill>
                   <a:schemeClr val="folHlink"/>
                 </a:solidFill>
@@ -28171,7 +28181,7 @@
               <a:buNone/>
             </a:pPr>
             <a:r>
-              <a:rPr lang="en-US" altLang="zh-CN" sz="2000" b="1">
+              <a:rPr lang="en-US" altLang="zh-CN" sz="2000" b="1" dirty="0">
                 <a:solidFill>
                   <a:schemeClr val="folHlink"/>
                 </a:solidFill>
@@ -28196,7 +28206,7 @@
               <a:buNone/>
             </a:pPr>
             <a:r>
-              <a:rPr lang="en-US" altLang="zh-CN" sz="2000" b="1">
+              <a:rPr lang="en-US" altLang="zh-CN" sz="2000" b="1" dirty="0">
                 <a:solidFill>
                   <a:schemeClr val="folHlink"/>
                 </a:solidFill>
@@ -28221,7 +28231,7 @@
               <a:buNone/>
             </a:pPr>
             <a:r>
-              <a:rPr lang="en-US" altLang="zh-CN" sz="2000" b="1">
+              <a:rPr lang="en-US" altLang="zh-CN" sz="2000" b="1" dirty="0">
                 <a:solidFill>
                   <a:schemeClr val="folHlink"/>
                 </a:solidFill>
@@ -28246,7 +28256,7 @@
               <a:buNone/>
             </a:pPr>
             <a:r>
-              <a:rPr lang="en-US" altLang="zh-CN" sz="2000" b="1">
+              <a:rPr lang="en-US" altLang="zh-CN" sz="2000" b="1" dirty="0">
                 <a:solidFill>
                   <a:schemeClr val="folHlink"/>
                 </a:solidFill>
@@ -28756,13 +28766,13 @@
               <a:buNone/>
             </a:pPr>
             <a:r>
-              <a:rPr lang="en-US" altLang="zh-CN" sz="2000" b="1">
+              <a:rPr lang="en-US" altLang="zh-CN" sz="2000" b="1" dirty="0">
                 <a:solidFill>
                   <a:schemeClr val="folHlink"/>
                 </a:solidFill>
                 <a:latin typeface="Courier New" panose="02070309020205020404" pitchFamily="49" charset="0"/>
               </a:rPr>
-              <a:t>x := 5;</a:t>
+              <a:t>x = 5;</a:t>
             </a:r>
           </a:p>
           <a:p>
@@ -28781,7 +28791,7 @@
               <a:buNone/>
             </a:pPr>
             <a:r>
-              <a:rPr lang="en-US" altLang="zh-CN" sz="2000" b="1">
+              <a:rPr lang="en-US" altLang="zh-CN" sz="2000" b="1" dirty="0">
                 <a:solidFill>
                   <a:schemeClr val="folHlink"/>
                 </a:solidFill>
@@ -29189,13 +29199,13 @@
               <a:buNone/>
             </a:pPr>
             <a:r>
-              <a:rPr lang="en-US" altLang="zh-CN" sz="2000" b="1">
+              <a:rPr lang="en-US" altLang="zh-CN" sz="2000" b="1" dirty="0">
                 <a:solidFill>
                   <a:schemeClr val="folHlink"/>
                 </a:solidFill>
                 <a:latin typeface="Courier New" panose="02070309020205020404" pitchFamily="49" charset="0"/>
               </a:rPr>
-              <a:t>S -&gt; x := E</a:t>
+              <a:t>S -&gt; x = E</a:t>
             </a:r>
           </a:p>
           <a:p>
@@ -29214,13 +29224,13 @@
               <a:buNone/>
             </a:pPr>
             <a:r>
-              <a:rPr lang="en-US" altLang="zh-CN" sz="2000" b="1">
+              <a:rPr lang="en-US" altLang="zh-CN" sz="2000" b="1" dirty="0">
                 <a:solidFill>
                   <a:schemeClr val="folHlink"/>
                 </a:solidFill>
                 <a:latin typeface="Courier New" panose="02070309020205020404" pitchFamily="49" charset="0"/>
               </a:rPr>
-              <a:t>  -&gt; x := 5</a:t>
+              <a:t>  -&gt; x = 5</a:t>
             </a:r>
           </a:p>
           <a:p>
@@ -29239,7 +29249,7 @@
               <a:buNone/>
             </a:pPr>
             <a:r>
-              <a:rPr lang="en-US" altLang="zh-CN" sz="2000" b="1">
+              <a:rPr lang="en-US" altLang="zh-CN" sz="2000" b="1" dirty="0">
                 <a:solidFill>
                   <a:schemeClr val="folHlink"/>
                 </a:solidFill>
@@ -29248,7 +29258,7 @@
               <a:t>  -&gt; </a:t>
             </a:r>
             <a:r>
-              <a:rPr lang="en-US" altLang="zh-CN" sz="2000" b="1">
+              <a:rPr lang="en-US" altLang="zh-CN" sz="2000" b="1" dirty="0">
                 <a:solidFill>
                   <a:schemeClr val="hlink"/>
                 </a:solidFill>
@@ -29257,7 +29267,7 @@
               <a:t>???</a:t>
             </a:r>
             <a:r>
-              <a:rPr lang="zh-CN" altLang="en-US" sz="2000" b="1">
+              <a:rPr lang="zh-CN" altLang="en-US" sz="2000" b="1" dirty="0">
                 <a:solidFill>
                   <a:schemeClr val="hlink"/>
                 </a:solidFill>
@@ -29266,7 +29276,7 @@
               <a:t> </a:t>
             </a:r>
             <a:r>
-              <a:rPr lang="en-US" altLang="zh-CN" sz="2000" b="1">
+              <a:rPr lang="en-US" altLang="zh-CN" sz="2000" b="1" dirty="0">
                 <a:solidFill>
                   <a:schemeClr val="hlink"/>
                 </a:solidFill>
@@ -29443,7 +29453,7 @@
               <a:buNone/>
             </a:pPr>
             <a:r>
-              <a:rPr lang="en-US" altLang="zh-CN" sz="2000" b="1">
+              <a:rPr lang="en-US" altLang="zh-CN" sz="2000" b="1" dirty="0">
                 <a:solidFill>
                   <a:schemeClr val="folHlink"/>
                 </a:solidFill>
@@ -29468,13 +29478,13 @@
               <a:buNone/>
             </a:pPr>
             <a:r>
-              <a:rPr lang="en-US" altLang="zh-CN" sz="2000" b="1">
+              <a:rPr lang="en-US" altLang="zh-CN" sz="2000" b="1" dirty="0">
                 <a:solidFill>
                   <a:schemeClr val="folHlink"/>
                 </a:solidFill>
                 <a:latin typeface="Courier New" panose="02070309020205020404" pitchFamily="49" charset="0"/>
               </a:rPr>
-              <a:t>   | id := E</a:t>
+              <a:t>   | id = E</a:t>
             </a:r>
           </a:p>
           <a:p>
@@ -29493,7 +29503,7 @@
               <a:buNone/>
             </a:pPr>
             <a:r>
-              <a:rPr lang="en-US" altLang="zh-CN" sz="2000" b="1">
+              <a:rPr lang="en-US" altLang="zh-CN" sz="2000" b="1" dirty="0">
                 <a:solidFill>
                   <a:schemeClr val="folHlink"/>
                 </a:solidFill>
@@ -29518,7 +29528,7 @@
               <a:buNone/>
             </a:pPr>
             <a:r>
-              <a:rPr lang="en-US" altLang="zh-CN" sz="2000" b="1">
+              <a:rPr lang="en-US" altLang="zh-CN" sz="2000" b="1" dirty="0">
                 <a:solidFill>
                   <a:schemeClr val="folHlink"/>
                 </a:solidFill>
